--- a/FInal/CSE332_Lec_Multiplication&FPU-Spring2025.pptx
+++ b/FInal/CSE332_Lec_Multiplication&FPU-Spring2025.pptx
@@ -205,10 +205,9 @@
           </a:lstStyle>
           <a:p>
             <a:r>
-              <a:rPr lang="en-US" smtClean="0"/>
+              <a:rPr lang="en-US"/>
               <a:t>Click to edit Master title style</a:t>
             </a:r>
-            <a:endParaRPr lang="en-US"/>
           </a:p>
         </p:txBody>
       </p:sp>
@@ -270,10 +269,9 @@
           </a:lstStyle>
           <a:p>
             <a:r>
-              <a:rPr lang="en-US" smtClean="0"/>
+              <a:rPr lang="en-US"/>
               <a:t>Click to edit Master subtitle style</a:t>
             </a:r>
-            <a:endParaRPr lang="en-US"/>
           </a:p>
         </p:txBody>
       </p:sp>
@@ -294,7 +292,7 @@
           <a:p>
             <a:fld id="{A59ACE46-9993-4576-8011-EA8526641611}" type="datetimeFigureOut">
               <a:rPr lang="en-US" smtClean="0"/>
-              <a:t>4/18/2025</a:t>
+              <a:t>4/24/2025</a:t>
             </a:fld>
             <a:endParaRPr lang="en-US"/>
           </a:p>
@@ -388,10 +386,9 @@
           <a:lstStyle/>
           <a:p>
             <a:r>
-              <a:rPr lang="en-US" smtClean="0"/>
+              <a:rPr lang="en-US"/>
               <a:t>Click to edit Master title style</a:t>
             </a:r>
-            <a:endParaRPr lang="en-US"/>
           </a:p>
         </p:txBody>
       </p:sp>
@@ -412,38 +409,37 @@
           <a:p>
             <a:pPr lvl="0"/>
             <a:r>
-              <a:rPr lang="en-US" smtClean="0"/>
+              <a:rPr lang="en-US"/>
               <a:t>Click to edit Master text styles</a:t>
             </a:r>
           </a:p>
           <a:p>
             <a:pPr lvl="1"/>
             <a:r>
-              <a:rPr lang="en-US" smtClean="0"/>
+              <a:rPr lang="en-US"/>
               <a:t>Second level</a:t>
             </a:r>
           </a:p>
           <a:p>
             <a:pPr lvl="2"/>
             <a:r>
-              <a:rPr lang="en-US" smtClean="0"/>
+              <a:rPr lang="en-US"/>
               <a:t>Third level</a:t>
             </a:r>
           </a:p>
           <a:p>
             <a:pPr lvl="3"/>
             <a:r>
-              <a:rPr lang="en-US" smtClean="0"/>
+              <a:rPr lang="en-US"/>
               <a:t>Fourth level</a:t>
             </a:r>
           </a:p>
           <a:p>
             <a:pPr lvl="4"/>
             <a:r>
-              <a:rPr lang="en-US" smtClean="0"/>
+              <a:rPr lang="en-US"/>
               <a:t>Fifth level</a:t>
             </a:r>
-            <a:endParaRPr lang="en-US"/>
           </a:p>
         </p:txBody>
       </p:sp>
@@ -464,7 +460,7 @@
           <a:p>
             <a:fld id="{A59ACE46-9993-4576-8011-EA8526641611}" type="datetimeFigureOut">
               <a:rPr lang="en-US" smtClean="0"/>
-              <a:t>4/18/2025</a:t>
+              <a:t>4/24/2025</a:t>
             </a:fld>
             <a:endParaRPr lang="en-US"/>
           </a:p>
@@ -563,10 +559,9 @@
           <a:lstStyle/>
           <a:p>
             <a:r>
-              <a:rPr lang="en-US" smtClean="0"/>
+              <a:rPr lang="en-US"/>
               <a:t>Click to edit Master title style</a:t>
             </a:r>
-            <a:endParaRPr lang="en-US"/>
           </a:p>
         </p:txBody>
       </p:sp>
@@ -592,38 +587,37 @@
           <a:p>
             <a:pPr lvl="0"/>
             <a:r>
-              <a:rPr lang="en-US" smtClean="0"/>
+              <a:rPr lang="en-US"/>
               <a:t>Click to edit Master text styles</a:t>
             </a:r>
           </a:p>
           <a:p>
             <a:pPr lvl="1"/>
             <a:r>
-              <a:rPr lang="en-US" smtClean="0"/>
+              <a:rPr lang="en-US"/>
               <a:t>Second level</a:t>
             </a:r>
           </a:p>
           <a:p>
             <a:pPr lvl="2"/>
             <a:r>
-              <a:rPr lang="en-US" smtClean="0"/>
+              <a:rPr lang="en-US"/>
               <a:t>Third level</a:t>
             </a:r>
           </a:p>
           <a:p>
             <a:pPr lvl="3"/>
             <a:r>
-              <a:rPr lang="en-US" smtClean="0"/>
+              <a:rPr lang="en-US"/>
               <a:t>Fourth level</a:t>
             </a:r>
           </a:p>
           <a:p>
             <a:pPr lvl="4"/>
             <a:r>
-              <a:rPr lang="en-US" smtClean="0"/>
+              <a:rPr lang="en-US"/>
               <a:t>Fifth level</a:t>
             </a:r>
-            <a:endParaRPr lang="en-US"/>
           </a:p>
         </p:txBody>
       </p:sp>
@@ -644,7 +638,7 @@
           <a:p>
             <a:fld id="{A59ACE46-9993-4576-8011-EA8526641611}" type="datetimeFigureOut">
               <a:rPr lang="en-US" smtClean="0"/>
-              <a:t>4/18/2025</a:t>
+              <a:t>4/24/2025</a:t>
             </a:fld>
             <a:endParaRPr lang="en-US"/>
           </a:p>
@@ -738,10 +732,9 @@
           <a:lstStyle/>
           <a:p>
             <a:r>
-              <a:rPr lang="en-US" smtClean="0"/>
+              <a:rPr lang="en-US"/>
               <a:t>Click to edit Master title style</a:t>
             </a:r>
-            <a:endParaRPr lang="en-US"/>
           </a:p>
         </p:txBody>
       </p:sp>
@@ -762,38 +755,37 @@
           <a:p>
             <a:pPr lvl="0"/>
             <a:r>
-              <a:rPr lang="en-US" smtClean="0"/>
+              <a:rPr lang="en-US"/>
               <a:t>Click to edit Master text styles</a:t>
             </a:r>
           </a:p>
           <a:p>
             <a:pPr lvl="1"/>
             <a:r>
-              <a:rPr lang="en-US" smtClean="0"/>
+              <a:rPr lang="en-US"/>
               <a:t>Second level</a:t>
             </a:r>
           </a:p>
           <a:p>
             <a:pPr lvl="2"/>
             <a:r>
-              <a:rPr lang="en-US" smtClean="0"/>
+              <a:rPr lang="en-US"/>
               <a:t>Third level</a:t>
             </a:r>
           </a:p>
           <a:p>
             <a:pPr lvl="3"/>
             <a:r>
-              <a:rPr lang="en-US" smtClean="0"/>
+              <a:rPr lang="en-US"/>
               <a:t>Fourth level</a:t>
             </a:r>
           </a:p>
           <a:p>
             <a:pPr lvl="4"/>
             <a:r>
-              <a:rPr lang="en-US" smtClean="0"/>
+              <a:rPr lang="en-US"/>
               <a:t>Fifth level</a:t>
             </a:r>
-            <a:endParaRPr lang="en-US"/>
           </a:p>
         </p:txBody>
       </p:sp>
@@ -814,7 +806,7 @@
           <a:p>
             <a:fld id="{A59ACE46-9993-4576-8011-EA8526641611}" type="datetimeFigureOut">
               <a:rPr lang="en-US" smtClean="0"/>
-              <a:t>4/18/2025</a:t>
+              <a:t>4/24/2025</a:t>
             </a:fld>
             <a:endParaRPr lang="en-US"/>
           </a:p>
@@ -917,10 +909,9 @@
           </a:lstStyle>
           <a:p>
             <a:r>
-              <a:rPr lang="en-US" smtClean="0"/>
+              <a:rPr lang="en-US"/>
               <a:t>Click to edit Master title style</a:t>
             </a:r>
-            <a:endParaRPr lang="en-US"/>
           </a:p>
         </p:txBody>
       </p:sp>
@@ -1037,7 +1028,7 @@
           <a:p>
             <a:pPr lvl="0"/>
             <a:r>
-              <a:rPr lang="en-US" smtClean="0"/>
+              <a:rPr lang="en-US"/>
               <a:t>Click to edit Master text styles</a:t>
             </a:r>
           </a:p>
@@ -1060,7 +1051,7 @@
           <a:p>
             <a:fld id="{A59ACE46-9993-4576-8011-EA8526641611}" type="datetimeFigureOut">
               <a:rPr lang="en-US" smtClean="0"/>
-              <a:t>4/18/2025</a:t>
+              <a:t>4/24/2025</a:t>
             </a:fld>
             <a:endParaRPr lang="en-US"/>
           </a:p>
@@ -1154,10 +1145,9 @@
           <a:lstStyle/>
           <a:p>
             <a:r>
-              <a:rPr lang="en-US" smtClean="0"/>
+              <a:rPr lang="en-US"/>
               <a:t>Click to edit Master title style</a:t>
             </a:r>
-            <a:endParaRPr lang="en-US"/>
           </a:p>
         </p:txBody>
       </p:sp>
@@ -1183,38 +1173,37 @@
           <a:p>
             <a:pPr lvl="0"/>
             <a:r>
-              <a:rPr lang="en-US" smtClean="0"/>
+              <a:rPr lang="en-US"/>
               <a:t>Click to edit Master text styles</a:t>
             </a:r>
           </a:p>
           <a:p>
             <a:pPr lvl="1"/>
             <a:r>
-              <a:rPr lang="en-US" smtClean="0"/>
+              <a:rPr lang="en-US"/>
               <a:t>Second level</a:t>
             </a:r>
           </a:p>
           <a:p>
             <a:pPr lvl="2"/>
             <a:r>
-              <a:rPr lang="en-US" smtClean="0"/>
+              <a:rPr lang="en-US"/>
               <a:t>Third level</a:t>
             </a:r>
           </a:p>
           <a:p>
             <a:pPr lvl="3"/>
             <a:r>
-              <a:rPr lang="en-US" smtClean="0"/>
+              <a:rPr lang="en-US"/>
               <a:t>Fourth level</a:t>
             </a:r>
           </a:p>
           <a:p>
             <a:pPr lvl="4"/>
             <a:r>
-              <a:rPr lang="en-US" smtClean="0"/>
+              <a:rPr lang="en-US"/>
               <a:t>Fifth level</a:t>
             </a:r>
-            <a:endParaRPr lang="en-US"/>
           </a:p>
         </p:txBody>
       </p:sp>
@@ -1240,38 +1229,37 @@
           <a:p>
             <a:pPr lvl="0"/>
             <a:r>
-              <a:rPr lang="en-US" smtClean="0"/>
+              <a:rPr lang="en-US"/>
               <a:t>Click to edit Master text styles</a:t>
             </a:r>
           </a:p>
           <a:p>
             <a:pPr lvl="1"/>
             <a:r>
-              <a:rPr lang="en-US" smtClean="0"/>
+              <a:rPr lang="en-US"/>
               <a:t>Second level</a:t>
             </a:r>
           </a:p>
           <a:p>
             <a:pPr lvl="2"/>
             <a:r>
-              <a:rPr lang="en-US" smtClean="0"/>
+              <a:rPr lang="en-US"/>
               <a:t>Third level</a:t>
             </a:r>
           </a:p>
           <a:p>
             <a:pPr lvl="3"/>
             <a:r>
-              <a:rPr lang="en-US" smtClean="0"/>
+              <a:rPr lang="en-US"/>
               <a:t>Fourth level</a:t>
             </a:r>
           </a:p>
           <a:p>
             <a:pPr lvl="4"/>
             <a:r>
-              <a:rPr lang="en-US" smtClean="0"/>
+              <a:rPr lang="en-US"/>
               <a:t>Fifth level</a:t>
             </a:r>
-            <a:endParaRPr lang="en-US"/>
           </a:p>
         </p:txBody>
       </p:sp>
@@ -1292,7 +1280,7 @@
           <a:p>
             <a:fld id="{A59ACE46-9993-4576-8011-EA8526641611}" type="datetimeFigureOut">
               <a:rPr lang="en-US" smtClean="0"/>
-              <a:t>4/18/2025</a:t>
+              <a:t>4/24/2025</a:t>
             </a:fld>
             <a:endParaRPr lang="en-US"/>
           </a:p>
@@ -1391,10 +1379,9 @@
           <a:lstStyle/>
           <a:p>
             <a:r>
-              <a:rPr lang="en-US" smtClean="0"/>
+              <a:rPr lang="en-US"/>
               <a:t>Click to edit Master title style</a:t>
             </a:r>
-            <a:endParaRPr lang="en-US"/>
           </a:p>
         </p:txBody>
       </p:sp>
@@ -1457,7 +1444,7 @@
           <a:p>
             <a:pPr lvl="0"/>
             <a:r>
-              <a:rPr lang="en-US" smtClean="0"/>
+              <a:rPr lang="en-US"/>
               <a:t>Click to edit Master text styles</a:t>
             </a:r>
           </a:p>
@@ -1485,38 +1472,37 @@
           <a:p>
             <a:pPr lvl="0"/>
             <a:r>
-              <a:rPr lang="en-US" smtClean="0"/>
+              <a:rPr lang="en-US"/>
               <a:t>Click to edit Master text styles</a:t>
             </a:r>
           </a:p>
           <a:p>
             <a:pPr lvl="1"/>
             <a:r>
-              <a:rPr lang="en-US" smtClean="0"/>
+              <a:rPr lang="en-US"/>
               <a:t>Second level</a:t>
             </a:r>
           </a:p>
           <a:p>
             <a:pPr lvl="2"/>
             <a:r>
-              <a:rPr lang="en-US" smtClean="0"/>
+              <a:rPr lang="en-US"/>
               <a:t>Third level</a:t>
             </a:r>
           </a:p>
           <a:p>
             <a:pPr lvl="3"/>
             <a:r>
-              <a:rPr lang="en-US" smtClean="0"/>
+              <a:rPr lang="en-US"/>
               <a:t>Fourth level</a:t>
             </a:r>
           </a:p>
           <a:p>
             <a:pPr lvl="4"/>
             <a:r>
-              <a:rPr lang="en-US" smtClean="0"/>
+              <a:rPr lang="en-US"/>
               <a:t>Fifth level</a:t>
             </a:r>
-            <a:endParaRPr lang="en-US"/>
           </a:p>
         </p:txBody>
       </p:sp>
@@ -1579,7 +1565,7 @@
           <a:p>
             <a:pPr lvl="0"/>
             <a:r>
-              <a:rPr lang="en-US" smtClean="0"/>
+              <a:rPr lang="en-US"/>
               <a:t>Click to edit Master text styles</a:t>
             </a:r>
           </a:p>
@@ -1607,38 +1593,37 @@
           <a:p>
             <a:pPr lvl="0"/>
             <a:r>
-              <a:rPr lang="en-US" smtClean="0"/>
+              <a:rPr lang="en-US"/>
               <a:t>Click to edit Master text styles</a:t>
             </a:r>
           </a:p>
           <a:p>
             <a:pPr lvl="1"/>
             <a:r>
-              <a:rPr lang="en-US" smtClean="0"/>
+              <a:rPr lang="en-US"/>
               <a:t>Second level</a:t>
             </a:r>
           </a:p>
           <a:p>
             <a:pPr lvl="2"/>
             <a:r>
-              <a:rPr lang="en-US" smtClean="0"/>
+              <a:rPr lang="en-US"/>
               <a:t>Third level</a:t>
             </a:r>
           </a:p>
           <a:p>
             <a:pPr lvl="3"/>
             <a:r>
-              <a:rPr lang="en-US" smtClean="0"/>
+              <a:rPr lang="en-US"/>
               <a:t>Fourth level</a:t>
             </a:r>
           </a:p>
           <a:p>
             <a:pPr lvl="4"/>
             <a:r>
-              <a:rPr lang="en-US" smtClean="0"/>
+              <a:rPr lang="en-US"/>
               <a:t>Fifth level</a:t>
             </a:r>
-            <a:endParaRPr lang="en-US"/>
           </a:p>
         </p:txBody>
       </p:sp>
@@ -1659,7 +1644,7 @@
           <a:p>
             <a:fld id="{A59ACE46-9993-4576-8011-EA8526641611}" type="datetimeFigureOut">
               <a:rPr lang="en-US" smtClean="0"/>
-              <a:t>4/18/2025</a:t>
+              <a:t>4/24/2025</a:t>
             </a:fld>
             <a:endParaRPr lang="en-US"/>
           </a:p>
@@ -1753,10 +1738,9 @@
           <a:lstStyle/>
           <a:p>
             <a:r>
-              <a:rPr lang="en-US" smtClean="0"/>
+              <a:rPr lang="en-US"/>
               <a:t>Click to edit Master title style</a:t>
             </a:r>
-            <a:endParaRPr lang="en-US"/>
           </a:p>
         </p:txBody>
       </p:sp>
@@ -1777,7 +1761,7 @@
           <a:p>
             <a:fld id="{A59ACE46-9993-4576-8011-EA8526641611}" type="datetimeFigureOut">
               <a:rPr lang="en-US" smtClean="0"/>
-              <a:t>4/18/2025</a:t>
+              <a:t>4/24/2025</a:t>
             </a:fld>
             <a:endParaRPr lang="en-US"/>
           </a:p>
@@ -1872,7 +1856,7 @@
           <a:p>
             <a:fld id="{A59ACE46-9993-4576-8011-EA8526641611}" type="datetimeFigureOut">
               <a:rPr lang="en-US" smtClean="0"/>
-              <a:t>4/18/2025</a:t>
+              <a:t>4/24/2025</a:t>
             </a:fld>
             <a:endParaRPr lang="en-US"/>
           </a:p>
@@ -1975,10 +1959,9 @@
           </a:lstStyle>
           <a:p>
             <a:r>
-              <a:rPr lang="en-US" smtClean="0"/>
+              <a:rPr lang="en-US"/>
               <a:t>Click to edit Master title style</a:t>
             </a:r>
-            <a:endParaRPr lang="en-US"/>
           </a:p>
         </p:txBody>
       </p:sp>
@@ -2032,38 +2015,37 @@
           <a:p>
             <a:pPr lvl="0"/>
             <a:r>
-              <a:rPr lang="en-US" smtClean="0"/>
+              <a:rPr lang="en-US"/>
               <a:t>Click to edit Master text styles</a:t>
             </a:r>
           </a:p>
           <a:p>
             <a:pPr lvl="1"/>
             <a:r>
-              <a:rPr lang="en-US" smtClean="0"/>
+              <a:rPr lang="en-US"/>
               <a:t>Second level</a:t>
             </a:r>
           </a:p>
           <a:p>
             <a:pPr lvl="2"/>
             <a:r>
-              <a:rPr lang="en-US" smtClean="0"/>
+              <a:rPr lang="en-US"/>
               <a:t>Third level</a:t>
             </a:r>
           </a:p>
           <a:p>
             <a:pPr lvl="3"/>
             <a:r>
-              <a:rPr lang="en-US" smtClean="0"/>
+              <a:rPr lang="en-US"/>
               <a:t>Fourth level</a:t>
             </a:r>
           </a:p>
           <a:p>
             <a:pPr lvl="4"/>
             <a:r>
-              <a:rPr lang="en-US" smtClean="0"/>
+              <a:rPr lang="en-US"/>
               <a:t>Fifth level</a:t>
             </a:r>
-            <a:endParaRPr lang="en-US"/>
           </a:p>
         </p:txBody>
       </p:sp>
@@ -2126,7 +2108,7 @@
           <a:p>
             <a:pPr lvl="0"/>
             <a:r>
-              <a:rPr lang="en-US" smtClean="0"/>
+              <a:rPr lang="en-US"/>
               <a:t>Click to edit Master text styles</a:t>
             </a:r>
           </a:p>
@@ -2149,7 +2131,7 @@
           <a:p>
             <a:fld id="{A59ACE46-9993-4576-8011-EA8526641611}" type="datetimeFigureOut">
               <a:rPr lang="en-US" smtClean="0"/>
-              <a:t>4/18/2025</a:t>
+              <a:t>4/24/2025</a:t>
             </a:fld>
             <a:endParaRPr lang="en-US"/>
           </a:p>
@@ -2252,10 +2234,9 @@
           </a:lstStyle>
           <a:p>
             <a:r>
-              <a:rPr lang="en-US" smtClean="0"/>
+              <a:rPr lang="en-US"/>
               <a:t>Click to edit Master title style</a:t>
             </a:r>
-            <a:endParaRPr lang="en-US"/>
           </a:p>
         </p:txBody>
       </p:sp>
@@ -2379,7 +2360,7 @@
           <a:p>
             <a:pPr lvl="0"/>
             <a:r>
-              <a:rPr lang="en-US" smtClean="0"/>
+              <a:rPr lang="en-US"/>
               <a:t>Click to edit Master text styles</a:t>
             </a:r>
           </a:p>
@@ -2402,7 +2383,7 @@
           <a:p>
             <a:fld id="{A59ACE46-9993-4576-8011-EA8526641611}" type="datetimeFigureOut">
               <a:rPr lang="en-US" smtClean="0"/>
-              <a:t>4/18/2025</a:t>
+              <a:t>4/24/2025</a:t>
             </a:fld>
             <a:endParaRPr lang="en-US"/>
           </a:p>
@@ -2511,10 +2492,9 @@
           <a:lstStyle/>
           <a:p>
             <a:r>
-              <a:rPr lang="en-US" smtClean="0"/>
+              <a:rPr lang="en-US"/>
               <a:t>Click to edit Master title style</a:t>
             </a:r>
-            <a:endParaRPr lang="en-US"/>
           </a:p>
         </p:txBody>
       </p:sp>
@@ -2545,38 +2525,37 @@
           <a:p>
             <a:pPr lvl="0"/>
             <a:r>
-              <a:rPr lang="en-US" smtClean="0"/>
+              <a:rPr lang="en-US"/>
               <a:t>Click to edit Master text styles</a:t>
             </a:r>
           </a:p>
           <a:p>
             <a:pPr lvl="1"/>
             <a:r>
-              <a:rPr lang="en-US" smtClean="0"/>
+              <a:rPr lang="en-US"/>
               <a:t>Second level</a:t>
             </a:r>
           </a:p>
           <a:p>
             <a:pPr lvl="2"/>
             <a:r>
-              <a:rPr lang="en-US" smtClean="0"/>
+              <a:rPr lang="en-US"/>
               <a:t>Third level</a:t>
             </a:r>
           </a:p>
           <a:p>
             <a:pPr lvl="3"/>
             <a:r>
-              <a:rPr lang="en-US" smtClean="0"/>
+              <a:rPr lang="en-US"/>
               <a:t>Fourth level</a:t>
             </a:r>
           </a:p>
           <a:p>
             <a:pPr lvl="4"/>
             <a:r>
-              <a:rPr lang="en-US" smtClean="0"/>
+              <a:rPr lang="en-US"/>
               <a:t>Fifth level</a:t>
             </a:r>
-            <a:endParaRPr lang="en-US"/>
           </a:p>
         </p:txBody>
       </p:sp>
@@ -2615,7 +2594,7 @@
           <a:p>
             <a:fld id="{A59ACE46-9993-4576-8011-EA8526641611}" type="datetimeFigureOut">
               <a:rPr lang="en-US" smtClean="0"/>
-              <a:t>4/18/2025</a:t>
+              <a:t>4/24/2025</a:t>
             </a:fld>
             <a:endParaRPr lang="en-US"/>
           </a:p>
@@ -3038,12 +3017,8 @@
           <a:lstStyle/>
           <a:p>
             <a:r>
-              <a:rPr lang="en-US" dirty="0" smtClean="0"/>
-              <a:t>Multiplication, Multipliers </a:t>
-            </a:r>
-            <a:r>
               <a:rPr lang="en-US" dirty="0"/>
-              <a:t>and Booth’s algorithm </a:t>
+              <a:t>Multiplication, Multipliers and Booth’s algorithm </a:t>
             </a:r>
             <a:br>
               <a:rPr lang="en-US" dirty="0"/>
@@ -3105,20 +3080,8 @@
           <a:lstStyle/>
           <a:p>
             <a:r>
-              <a:rPr lang="en-US" sz="2400" dirty="0" smtClean="0"/>
-              <a:t>Sequential multiplication of 2’s-complement numbers with right-shifts </a:t>
-            </a:r>
-            <a:r>
               <a:rPr lang="en-US" sz="2400" dirty="0"/>
-              <a:t>(</a:t>
-            </a:r>
-            <a:r>
-              <a:rPr lang="en-US" sz="2400" dirty="0" smtClean="0"/>
-              <a:t>positive multiplier</a:t>
-            </a:r>
-            <a:r>
-              <a:rPr lang="en-US" sz="2400" dirty="0"/>
-              <a:t>)</a:t>
+              <a:t>Sequential multiplication of 2’s-complement numbers with right-shifts (positive multiplier)</a:t>
             </a:r>
           </a:p>
         </p:txBody>
@@ -3213,10 +3176,9 @@
           </a:lstStyle>
           <a:p>
             <a:r>
-              <a:rPr lang="en-US" sz="2400" dirty="0" smtClean="0"/>
+              <a:rPr lang="en-US" sz="2400" dirty="0"/>
               <a:t>Sequential multiplication of 2’s-complement numbers with right-shifts (negative multiplier)</a:t>
             </a:r>
-            <a:endParaRPr lang="en-US" sz="2400" dirty="0"/>
           </a:p>
         </p:txBody>
       </p:sp>
@@ -3349,63 +3311,18 @@
           <a:lstStyle/>
           <a:p>
             <a:r>
-              <a:rPr lang="en-US" dirty="0" smtClean="0"/>
-              <a:t>Convert both </a:t>
-            </a:r>
-            <a:r>
               <a:rPr lang="en-US" dirty="0"/>
-              <a:t>multiplier and multiplicand to positive numbers, perform the multiplication</a:t>
-            </a:r>
-            <a:r>
-              <a:rPr lang="en-US" dirty="0" smtClean="0"/>
-              <a:t>, and </a:t>
-            </a:r>
-            <a:r>
-              <a:rPr lang="en-US" dirty="0"/>
-              <a:t>then take the twos complement of the result if and only if the sign of the </a:t>
-            </a:r>
-            <a:r>
-              <a:rPr lang="en-US" dirty="0" smtClean="0"/>
-              <a:t>two original </a:t>
-            </a:r>
-            <a:r>
-              <a:rPr lang="en-US" dirty="0"/>
-              <a:t>numbers differed. </a:t>
-            </a:r>
-            <a:endParaRPr lang="en-US" dirty="0" smtClean="0"/>
-          </a:p>
-          <a:p>
-            <a:r>
-              <a:rPr lang="en-US" dirty="0" smtClean="0">
-                <a:solidFill>
-                  <a:srgbClr val="FF0000"/>
-                </a:solidFill>
-              </a:rPr>
-              <a:t>Implementers </a:t>
-            </a:r>
+              <a:t>Convert both multiplier and multiplicand to positive numbers, perform the multiplication, and then take the twos complement of the result if and only if the sign of the two original numbers differed. </a:t>
+            </a:r>
+          </a:p>
+          <a:p>
             <a:r>
               <a:rPr lang="en-US" dirty="0">
                 <a:solidFill>
                   <a:srgbClr val="FF0000"/>
                 </a:solidFill>
               </a:rPr>
-              <a:t>have preferred to use techniques that </a:t>
-            </a:r>
-            <a:r>
-              <a:rPr lang="en-US" dirty="0" smtClean="0">
-                <a:solidFill>
-                  <a:srgbClr val="FF0000"/>
-                </a:solidFill>
-              </a:rPr>
-              <a:t>do not </a:t>
-            </a:r>
-            <a:r>
-              <a:rPr lang="en-US" dirty="0">
-                <a:solidFill>
-                  <a:srgbClr val="FF0000"/>
-                </a:solidFill>
-              </a:rPr>
-              <a:t>require this final transformation step.</a:t>
+              <a:t>Implementers have preferred to use techniques that do not require this final transformation step.</a:t>
             </a:r>
           </a:p>
         </p:txBody>
@@ -3463,10 +3380,9 @@
           <a:lstStyle/>
           <a:p>
             <a:r>
-              <a:rPr lang="en-US" dirty="0" smtClean="0"/>
+              <a:rPr lang="en-US" dirty="0"/>
               <a:t>Multiplication of negative numbers</a:t>
             </a:r>
-            <a:endParaRPr lang="en-US" dirty="0"/>
           </a:p>
         </p:txBody>
       </p:sp>
@@ -3494,54 +3410,21 @@
           <a:p>
             <a:pPr algn="just"/>
             <a:r>
-              <a:rPr lang="en-US" dirty="0" smtClean="0"/>
-              <a:t>Convert both </a:t>
-            </a:r>
-            <a:r>
               <a:rPr lang="en-US" dirty="0"/>
-              <a:t>multiplier and multiplicand to positive numbers, perform the multiplication</a:t>
-            </a:r>
-            <a:r>
-              <a:rPr lang="en-US" dirty="0" smtClean="0"/>
-              <a:t>, and </a:t>
-            </a:r>
-            <a:r>
-              <a:rPr lang="en-US" dirty="0"/>
-              <a:t>then take the twos complement of the result if and only if the sign of the </a:t>
-            </a:r>
-            <a:r>
-              <a:rPr lang="en-US" dirty="0" smtClean="0"/>
-              <a:t>two original </a:t>
-            </a:r>
-            <a:r>
-              <a:rPr lang="en-US" dirty="0"/>
-              <a:t>numbers differed. </a:t>
-            </a:r>
-            <a:endParaRPr lang="en-US" dirty="0" smtClean="0"/>
+              <a:t>Convert both multiplier and multiplicand to positive numbers, perform the multiplication, and then take the twos complement of the result if and only if the sign of the two original numbers differed. </a:t>
+            </a:r>
           </a:p>
           <a:p>
             <a:pPr marL="0" indent="0" algn="just">
               <a:buNone/>
             </a:pPr>
-            <a:endParaRPr lang="en-US" dirty="0" smtClean="0"/>
+            <a:endParaRPr lang="en-US" dirty="0"/>
           </a:p>
           <a:p>
             <a:pPr algn="just"/>
             <a:r>
-              <a:rPr lang="en-US" dirty="0" smtClean="0"/>
-              <a:t>Implementers </a:t>
-            </a:r>
-            <a:r>
               <a:rPr lang="en-US" dirty="0"/>
-              <a:t>have preferred to use techniques that </a:t>
-            </a:r>
-            <a:r>
-              <a:rPr lang="en-US" dirty="0" smtClean="0"/>
-              <a:t>do not </a:t>
-            </a:r>
-            <a:r>
-              <a:rPr lang="en-US" dirty="0"/>
-              <a:t>require this final transformation step.</a:t>
+              <a:t>Implementers have preferred to use techniques that do not require this final transformation step.</a:t>
             </a:r>
           </a:p>
         </p:txBody>
@@ -3600,12 +3483,8 @@
               <a:buNone/>
             </a:pPr>
             <a:r>
-              <a:rPr lang="en-US" dirty="0" smtClean="0"/>
-              <a:t>Multiplicand </a:t>
-            </a:r>
-            <a:r>
               <a:rPr lang="en-US" dirty="0"/>
-              <a:t>must be sign-extended by </a:t>
+              <a:t>Multiplicand must be sign-extended by </a:t>
             </a:r>
             <a:r>
               <a:rPr lang="en-US" i="1" dirty="0"/>
@@ -3613,37 +3492,16 @@
             </a:r>
             <a:r>
               <a:rPr lang="en-US" dirty="0"/>
-              <a:t>bits. We thus have a more complex adder </a:t>
-            </a:r>
-            <a:r>
-              <a:rPr lang="en-US" dirty="0" smtClean="0"/>
-              <a:t>as well </a:t>
-            </a:r>
-            <a:r>
-              <a:rPr lang="en-US" dirty="0"/>
-              <a:t>as slower additions. With right shifts, on the other hand, sign extension </a:t>
-            </a:r>
-            <a:r>
-              <a:rPr lang="en-US" dirty="0" smtClean="0"/>
-              <a:t>occurs incrementally</a:t>
-            </a:r>
-            <a:r>
-              <a:rPr lang="en-US" dirty="0"/>
-              <a:t>; thus the adder needs to be only 1 bit wider. </a:t>
-            </a:r>
-            <a:endParaRPr lang="en-US" dirty="0" smtClean="0"/>
+              <a:t>bits. We thus have a more complex adder as well as slower additions. With right shifts, on the other hand, sign extension occurs incrementally; thus the adder needs to be only 1 bit wider. </a:t>
+            </a:r>
           </a:p>
           <a:p>
             <a:pPr marL="0" indent="0" algn="just">
               <a:buNone/>
             </a:pPr>
             <a:r>
-              <a:rPr lang="en-US" dirty="0" smtClean="0"/>
-              <a:t>Alternatively</a:t>
-            </a:r>
-            <a:r>
               <a:rPr lang="en-US" dirty="0"/>
-              <a:t>, a </a:t>
+              <a:t>Alternatively, a </a:t>
             </a:r>
             <a:r>
               <a:rPr lang="en-US" i="1" dirty="0"/>
@@ -3651,15 +3509,7 @@
             </a:r>
             <a:r>
               <a:rPr lang="en-US" dirty="0"/>
-              <a:t>-bit </a:t>
-            </a:r>
-            <a:r>
-              <a:rPr lang="en-US" dirty="0" smtClean="0"/>
-              <a:t>adder can </a:t>
-            </a:r>
-            <a:r>
-              <a:rPr lang="en-US" dirty="0"/>
-              <a:t>be augmented with special logic to handle the extra bit at the left.</a:t>
+              <a:t>-bit adder can be augmented with special logic to handle the extra bit at the left.</a:t>
             </a:r>
           </a:p>
         </p:txBody>
@@ -3687,10 +3537,9 @@
           <a:lstStyle/>
           <a:p>
             <a:r>
-              <a:rPr lang="en-US" dirty="0" smtClean="0"/>
+              <a:rPr lang="en-US" dirty="0"/>
               <a:t>2’s-complement sequential hardware multiplier</a:t>
             </a:r>
-            <a:endParaRPr lang="en-US" dirty="0"/>
           </a:p>
         </p:txBody>
       </p:sp>
@@ -3769,10 +3618,9 @@
           <a:lstStyle/>
           <a:p>
             <a:r>
-              <a:rPr lang="en-US" dirty="0" smtClean="0"/>
+              <a:rPr lang="en-US" dirty="0"/>
               <a:t>Adding zeros….. Could this be avoided?</a:t>
             </a:r>
-            <a:endParaRPr lang="en-US" dirty="0"/>
           </a:p>
         </p:txBody>
       </p:sp>
@@ -3853,44 +3701,8 @@
           <a:lstStyle/>
           <a:p>
             <a:r>
-              <a:rPr lang="en-US" dirty="0" smtClean="0"/>
-              <a:t>Shifting </a:t>
-            </a:r>
-            <a:r>
               <a:rPr lang="en-US" dirty="0"/>
-              <a:t>alone is faster than addition followed by shifting, and one may take </a:t>
-            </a:r>
-            <a:r>
-              <a:rPr lang="en-US" dirty="0" smtClean="0"/>
-              <a:t>advantage of </a:t>
-            </a:r>
-            <a:r>
-              <a:rPr lang="en-US" dirty="0"/>
-              <a:t>this fact to reduce the multiplication time on the average. The resulting </a:t>
-            </a:r>
-            <a:r>
-              <a:rPr lang="en-US" dirty="0" smtClean="0"/>
-              <a:t>algorithm or </a:t>
-            </a:r>
-            <a:r>
-              <a:rPr lang="en-US" dirty="0"/>
-              <a:t>its associated </a:t>
-            </a:r>
-            <a:r>
-              <a:rPr lang="en-US" dirty="0" smtClean="0"/>
-              <a:t>hardware implementation </a:t>
-            </a:r>
-            <a:r>
-              <a:rPr lang="en-US" dirty="0"/>
-              <a:t>will have variable delay depending on </a:t>
-            </a:r>
-            <a:r>
-              <a:rPr lang="en-US" dirty="0" smtClean="0"/>
-              <a:t>the multiplier </a:t>
-            </a:r>
-            <a:r>
-              <a:rPr lang="en-US" dirty="0"/>
-              <a:t>value: the more 1s there are in the binary representation of </a:t>
+              <a:t>Shifting alone is faster than addition followed by shifting, and one may take advantage of this fact to reduce the multiplication time on the average. The resulting algorithm or its associated hardware implementation will have variable delay depending on the multiplier value: the more 1s there are in the binary representation of </a:t>
             </a:r>
             <a:r>
               <a:rPr lang="en-US" i="1" dirty="0"/>
@@ -3898,11 +3710,7 @@
             </a:r>
             <a:r>
               <a:rPr lang="en-US" dirty="0"/>
-              <a:t>, the slower </a:t>
-            </a:r>
-            <a:r>
-              <a:rPr lang="en-US" dirty="0" smtClean="0"/>
-              <a:t>the multiplication.</a:t>
+              <a:t>, the slower the multiplication.</a:t>
             </a:r>
           </a:p>
         </p:txBody>
@@ -3960,10 +3768,9 @@
           <a:lstStyle/>
           <a:p>
             <a:r>
-              <a:rPr lang="en-US" dirty="0" smtClean="0"/>
+              <a:rPr lang="en-US" dirty="0"/>
               <a:t>Booth’s algorithm</a:t>
             </a:r>
-            <a:endParaRPr lang="en-US" dirty="0"/>
           </a:p>
         </p:txBody>
       </p:sp>
@@ -3999,47 +3806,31 @@
             </a:r>
             <a:r>
               <a:rPr lang="en-US" sz="2400" dirty="0"/>
-              <a:t>, multiplication can be speeded up by replacing the corresponding sequence of additions with a subtraction at the least-significant end and an addition in the position immediately to the left of its most-significant end. In other </a:t>
-            </a:r>
-            <a:r>
-              <a:rPr lang="en-US" sz="2400" dirty="0" smtClean="0"/>
-              <a:t>words</a:t>
+              <a:t>, multiplication can be speeded up by replacing the corresponding sequence of additions with a subtraction at the least-significant end and an addition in the position immediately to the left of its most-significant end. In other words</a:t>
             </a:r>
           </a:p>
           <a:p>
             <a:pPr marL="0" indent="0">
               <a:buNone/>
             </a:pPr>
-            <a:endParaRPr lang="en-US" sz="2400" dirty="0" smtClean="0"/>
+            <a:endParaRPr lang="en-US" sz="2400" dirty="0"/>
           </a:p>
           <a:p>
             <a:pPr marL="0" indent="0">
               <a:buNone/>
             </a:pPr>
-            <a:endParaRPr lang="en-US" sz="2400" dirty="0" smtClean="0"/>
+            <a:endParaRPr lang="en-US" sz="2400" dirty="0"/>
           </a:p>
           <a:p>
             <a:r>
               <a:rPr lang="en-US" sz="2400" dirty="0"/>
-              <a:t>The longer the sequence of 1s, the larger the savings achieved</a:t>
-            </a:r>
-            <a:r>
-              <a:rPr lang="en-US" sz="2400" dirty="0" smtClean="0"/>
-              <a:t>.</a:t>
+              <a:t>The longer the sequence of 1s, the larger the savings achieved.</a:t>
             </a:r>
           </a:p>
           <a:p>
             <a:r>
               <a:rPr lang="en-US" sz="2400" dirty="0"/>
-              <a:t>The effect of </a:t>
-            </a:r>
-            <a:r>
-              <a:rPr lang="en-US" sz="2400" dirty="0" smtClean="0"/>
-              <a:t>this transformation </a:t>
-            </a:r>
-            <a:r>
-              <a:rPr lang="en-US" sz="2400" dirty="0"/>
-              <a:t>is to change the binary number </a:t>
+              <a:t>The effect of this transformation is to change the binary number </a:t>
             </a:r>
             <a:r>
               <a:rPr lang="en-US" sz="2400" i="1" dirty="0"/>
@@ -4047,11 +3838,7 @@
             </a:r>
             <a:r>
               <a:rPr lang="en-US" sz="2400" dirty="0"/>
-              <a:t>with digit set [0, 1] to the binary </a:t>
-            </a:r>
-            <a:r>
-              <a:rPr lang="en-US" sz="2400" dirty="0" smtClean="0"/>
-              <a:t>signed digit number </a:t>
+              <a:t>with digit set [0, 1] to the binary signed digit number </a:t>
             </a:r>
             <a:r>
               <a:rPr lang="en-US" sz="2400" i="1" dirty="0"/>
@@ -4165,10 +3952,9 @@
           <a:lstStyle/>
           <a:p>
             <a:r>
-              <a:rPr lang="en-US" dirty="0" smtClean="0"/>
+              <a:rPr lang="en-US" dirty="0"/>
               <a:t>Booth’s algorithm</a:t>
             </a:r>
-            <a:endParaRPr lang="en-US" dirty="0"/>
           </a:p>
         </p:txBody>
       </p:sp>
@@ -4402,18 +4188,13 @@
           </a:lstStyle>
           <a:p>
             <a:r>
-              <a:rPr lang="en-US" dirty="0" smtClean="0">
+              <a:rPr lang="en-US" dirty="0">
                 <a:solidFill>
                   <a:srgbClr val="FF0000"/>
                 </a:solidFill>
               </a:rPr>
               <a:t>Example: 7 X 3</a:t>
             </a:r>
-            <a:endParaRPr lang="en-US" dirty="0">
-              <a:solidFill>
-                <a:srgbClr val="FF0000"/>
-              </a:solidFill>
-            </a:endParaRPr>
           </a:p>
         </p:txBody>
       </p:sp>
@@ -4468,18 +4249,13 @@
           <a:lstStyle/>
           <a:p>
             <a:r>
-              <a:rPr lang="en-US" dirty="0" smtClean="0"/>
+              <a:rPr lang="en-US" dirty="0"/>
               <a:t>Multiplication: </a:t>
             </a:r>
             <a:r>
               <a:rPr lang="en-US" sz="3200" dirty="0"/>
-              <a:t>SHIFT/ADD </a:t>
-            </a:r>
-            <a:r>
-              <a:rPr lang="en-US" sz="3200" dirty="0" smtClean="0"/>
-              <a:t>ALGORITHMS</a:t>
-            </a:r>
-            <a:endParaRPr lang="en-US" sz="3200" dirty="0"/>
+              <a:t>SHIFT/ADD ALGORITHMS</a:t>
+            </a:r>
           </a:p>
         </p:txBody>
       </p:sp>
@@ -4590,26 +4366,22 @@
             </a:r>
             <a:r>
               <a:rPr lang="en-US" dirty="0"/>
-              <a:t>is in {0, 1}, each </a:t>
-            </a:r>
-            <a:r>
-              <a:rPr lang="en-US" dirty="0" smtClean="0"/>
-              <a:t>term </a:t>
-            </a:r>
-            <a:r>
-              <a:rPr lang="en-US" i="1" dirty="0" err="1" smtClean="0"/>
+              <a:t>is in {0, 1}, each term </a:t>
+            </a:r>
+            <a:r>
+              <a:rPr lang="en-US" i="1" dirty="0" err="1"/>
               <a:t>x</a:t>
             </a:r>
             <a:r>
-              <a:rPr lang="en-US" sz="2200" i="1" dirty="0" err="1" smtClean="0"/>
+              <a:rPr lang="en-US" sz="2200" i="1" dirty="0" err="1"/>
               <a:t>j</a:t>
             </a:r>
             <a:r>
-              <a:rPr lang="en-US" i="1" dirty="0" err="1" smtClean="0"/>
+              <a:rPr lang="en-US" i="1" dirty="0" err="1"/>
               <a:t>a</a:t>
             </a:r>
             <a:r>
-              <a:rPr lang="en-US" i="1" dirty="0" smtClean="0"/>
+              <a:rPr lang="en-US" i="1" dirty="0"/>
               <a:t> </a:t>
             </a:r>
             <a:r>
@@ -4622,15 +4394,7 @@
             </a:r>
             <a:r>
               <a:rPr lang="en-US" dirty="0"/>
-              <a:t>. Thus, the problem of binary multiplication reduces to adding a </a:t>
-            </a:r>
-            <a:r>
-              <a:rPr lang="en-US" dirty="0" smtClean="0"/>
-              <a:t>set of </a:t>
-            </a:r>
-            <a:r>
-              <a:rPr lang="en-US" dirty="0"/>
-              <a:t>numbers, each of which is 0 or a shifted version of the multiplicand </a:t>
+              <a:t>. Thus, the problem of binary multiplication reduces to adding a set of numbers, each of which is 0 or a shifted version of the multiplicand </a:t>
             </a:r>
             <a:r>
               <a:rPr lang="en-US" i="1" dirty="0"/>
@@ -4880,18 +4644,13 @@
           </a:lstStyle>
           <a:p>
             <a:r>
-              <a:rPr lang="en-US" dirty="0" smtClean="0">
+              <a:rPr lang="en-US" dirty="0">
                 <a:solidFill>
                   <a:srgbClr val="FF0000"/>
                 </a:solidFill>
               </a:rPr>
               <a:t>Example: 7 x (-6) </a:t>
             </a:r>
-            <a:endParaRPr lang="en-US" dirty="0">
-              <a:solidFill>
-                <a:srgbClr val="FF0000"/>
-              </a:solidFill>
-            </a:endParaRPr>
           </a:p>
         </p:txBody>
       </p:sp>
@@ -4933,12 +4692,11 @@
           </p:cNvGraphicFramePr>
           <p:nvPr>
             <p:ph idx="1"/>
-            <p:extLst/>
           </p:nvPr>
         </p:nvGraphicFramePr>
         <p:xfrm>
           <a:off x="385013" y="221415"/>
-          <a:ext cx="11662607" cy="6404484"/>
+          <a:ext cx="11662607" cy="6245226"/>
         </p:xfrm>
         <a:graphic>
           <a:graphicData uri="http://schemas.openxmlformats.org/drawingml/2006/table">
@@ -4948,49 +4706,49 @@
                 <a:gridCol w="1592616">
                   <a:extLst>
                     <a:ext uri="{9D8B030D-6E8A-4147-A177-3AD203B41FA5}">
-                      <a16:colId xmlns:a16="http://schemas.microsoft.com/office/drawing/2014/main" xmlns="" val="20000"/>
+                      <a16:colId xmlns:a16="http://schemas.microsoft.com/office/drawing/2014/main" val="20000"/>
                     </a:ext>
                   </a:extLst>
                 </a:gridCol>
                 <a:gridCol w="2545275">
                   <a:extLst>
                     <a:ext uri="{9D8B030D-6E8A-4147-A177-3AD203B41FA5}">
-                      <a16:colId xmlns:a16="http://schemas.microsoft.com/office/drawing/2014/main" xmlns="" val="20001"/>
+                      <a16:colId xmlns:a16="http://schemas.microsoft.com/office/drawing/2014/main" val="20001"/>
                     </a:ext>
                   </a:extLst>
                 </a:gridCol>
                 <a:gridCol w="1740062">
                   <a:extLst>
                     <a:ext uri="{9D8B030D-6E8A-4147-A177-3AD203B41FA5}">
-                      <a16:colId xmlns:a16="http://schemas.microsoft.com/office/drawing/2014/main" xmlns="" val="20002"/>
+                      <a16:colId xmlns:a16="http://schemas.microsoft.com/office/drawing/2014/main" val="20002"/>
                     </a:ext>
                   </a:extLst>
                 </a:gridCol>
                 <a:gridCol w="1740062">
                   <a:extLst>
                     <a:ext uri="{9D8B030D-6E8A-4147-A177-3AD203B41FA5}">
-                      <a16:colId xmlns:a16="http://schemas.microsoft.com/office/drawing/2014/main" xmlns="" val="20003"/>
+                      <a16:colId xmlns:a16="http://schemas.microsoft.com/office/drawing/2014/main" val="20003"/>
                     </a:ext>
                   </a:extLst>
                 </a:gridCol>
                 <a:gridCol w="710047">
                   <a:extLst>
                     <a:ext uri="{9D8B030D-6E8A-4147-A177-3AD203B41FA5}">
-                      <a16:colId xmlns:a16="http://schemas.microsoft.com/office/drawing/2014/main" xmlns="" val="20004"/>
+                      <a16:colId xmlns:a16="http://schemas.microsoft.com/office/drawing/2014/main" val="20004"/>
                     </a:ext>
                   </a:extLst>
                 </a:gridCol>
                 <a:gridCol w="2189850">
                   <a:extLst>
                     <a:ext uri="{9D8B030D-6E8A-4147-A177-3AD203B41FA5}">
-                      <a16:colId xmlns:a16="http://schemas.microsoft.com/office/drawing/2014/main" xmlns="" val="20005"/>
+                      <a16:colId xmlns:a16="http://schemas.microsoft.com/office/drawing/2014/main" val="20005"/>
                     </a:ext>
                   </a:extLst>
                 </a:gridCol>
                 <a:gridCol w="1144695">
                   <a:extLst>
                     <a:ext uri="{9D8B030D-6E8A-4147-A177-3AD203B41FA5}">
-                      <a16:colId xmlns:a16="http://schemas.microsoft.com/office/drawing/2014/main" xmlns="" val="20006"/>
+                      <a16:colId xmlns:a16="http://schemas.microsoft.com/office/drawing/2014/main" val="20006"/>
                     </a:ext>
                   </a:extLst>
                 </a:gridCol>
@@ -5506,7 +5264,7 @@
                 </a:tc>
                 <a:extLst>
                   <a:ext uri="{0D108BD9-81ED-4DB2-BD59-A6C34878D82A}">
-                    <a16:rowId xmlns:a16="http://schemas.microsoft.com/office/drawing/2014/main" xmlns="" val="10000"/>
+                    <a16:rowId xmlns:a16="http://schemas.microsoft.com/office/drawing/2014/main" val="10000"/>
                   </a:ext>
                 </a:extLst>
               </a:tr>
@@ -6020,7 +5778,7 @@
                 </a:tc>
                 <a:extLst>
                   <a:ext uri="{0D108BD9-81ED-4DB2-BD59-A6C34878D82A}">
-                    <a16:rowId xmlns:a16="http://schemas.microsoft.com/office/drawing/2014/main" xmlns="" val="10001"/>
+                    <a16:rowId xmlns:a16="http://schemas.microsoft.com/office/drawing/2014/main" val="10001"/>
                   </a:ext>
                 </a:extLst>
               </a:tr>
@@ -6442,7 +6200,7 @@
                 </a:tc>
                 <a:extLst>
                   <a:ext uri="{0D108BD9-81ED-4DB2-BD59-A6C34878D82A}">
-                    <a16:rowId xmlns:a16="http://schemas.microsoft.com/office/drawing/2014/main" xmlns="" val="10002"/>
+                    <a16:rowId xmlns:a16="http://schemas.microsoft.com/office/drawing/2014/main" val="10002"/>
                   </a:ext>
                 </a:extLst>
               </a:tr>
@@ -6884,7 +6642,7 @@
                 </a:tc>
                 <a:extLst>
                   <a:ext uri="{0D108BD9-81ED-4DB2-BD59-A6C34878D82A}">
-                    <a16:rowId xmlns:a16="http://schemas.microsoft.com/office/drawing/2014/main" xmlns="" val="10003"/>
+                    <a16:rowId xmlns:a16="http://schemas.microsoft.com/office/drawing/2014/main" val="10003"/>
                   </a:ext>
                 </a:extLst>
               </a:tr>
@@ -7342,7 +7100,7 @@
                 </a:tc>
                 <a:extLst>
                   <a:ext uri="{0D108BD9-81ED-4DB2-BD59-A6C34878D82A}">
-                    <a16:rowId xmlns:a16="http://schemas.microsoft.com/office/drawing/2014/main" xmlns="" val="10004"/>
+                    <a16:rowId xmlns:a16="http://schemas.microsoft.com/office/drawing/2014/main" val="10004"/>
                   </a:ext>
                 </a:extLst>
               </a:tr>
@@ -7784,7 +7542,7 @@
                 </a:tc>
                 <a:extLst>
                   <a:ext uri="{0D108BD9-81ED-4DB2-BD59-A6C34878D82A}">
-                    <a16:rowId xmlns:a16="http://schemas.microsoft.com/office/drawing/2014/main" xmlns="" val="10005"/>
+                    <a16:rowId xmlns:a16="http://schemas.microsoft.com/office/drawing/2014/main" val="10005"/>
                   </a:ext>
                 </a:extLst>
               </a:tr>
@@ -8242,7 +8000,7 @@
                 </a:tc>
                 <a:extLst>
                   <a:ext uri="{0D108BD9-81ED-4DB2-BD59-A6C34878D82A}">
-                    <a16:rowId xmlns:a16="http://schemas.microsoft.com/office/drawing/2014/main" xmlns="" val="10006"/>
+                    <a16:rowId xmlns:a16="http://schemas.microsoft.com/office/drawing/2014/main" val="10006"/>
                   </a:ext>
                 </a:extLst>
               </a:tr>
@@ -8684,7 +8442,7 @@
                 </a:tc>
                 <a:extLst>
                   <a:ext uri="{0D108BD9-81ED-4DB2-BD59-A6C34878D82A}">
-                    <a16:rowId xmlns:a16="http://schemas.microsoft.com/office/drawing/2014/main" xmlns="" val="10007"/>
+                    <a16:rowId xmlns:a16="http://schemas.microsoft.com/office/drawing/2014/main" val="10007"/>
                   </a:ext>
                 </a:extLst>
               </a:tr>
@@ -9142,7 +8900,7 @@
                 </a:tc>
                 <a:extLst>
                   <a:ext uri="{0D108BD9-81ED-4DB2-BD59-A6C34878D82A}">
-                    <a16:rowId xmlns:a16="http://schemas.microsoft.com/office/drawing/2014/main" xmlns="" val="10008"/>
+                    <a16:rowId xmlns:a16="http://schemas.microsoft.com/office/drawing/2014/main" val="10008"/>
                   </a:ext>
                 </a:extLst>
               </a:tr>
@@ -9584,7 +9342,7 @@
                 </a:tc>
                 <a:extLst>
                   <a:ext uri="{0D108BD9-81ED-4DB2-BD59-A6C34878D82A}">
-                    <a16:rowId xmlns:a16="http://schemas.microsoft.com/office/drawing/2014/main" xmlns="" val="10009"/>
+                    <a16:rowId xmlns:a16="http://schemas.microsoft.com/office/drawing/2014/main" val="10009"/>
                   </a:ext>
                 </a:extLst>
               </a:tr>
@@ -9997,7 +9755,7 @@
                 </a:tc>
                 <a:extLst>
                   <a:ext uri="{0D108BD9-81ED-4DB2-BD59-A6C34878D82A}">
-                    <a16:rowId xmlns:a16="http://schemas.microsoft.com/office/drawing/2014/main" xmlns="" val="10010"/>
+                    <a16:rowId xmlns:a16="http://schemas.microsoft.com/office/drawing/2014/main" val="10010"/>
                   </a:ext>
                 </a:extLst>
               </a:tr>
@@ -10130,7 +9888,7 @@
                 </a:tc>
                 <a:extLst>
                   <a:ext uri="{0D108BD9-81ED-4DB2-BD59-A6C34878D82A}">
-                    <a16:rowId xmlns:a16="http://schemas.microsoft.com/office/drawing/2014/main" xmlns="" val="10011"/>
+                    <a16:rowId xmlns:a16="http://schemas.microsoft.com/office/drawing/2014/main" val="10011"/>
                   </a:ext>
                 </a:extLst>
               </a:tr>
@@ -10173,7 +9931,7 @@
           <p:cNvPr id="5" name="Picture 4">
             <a:extLst>
               <a:ext uri="{FF2B5EF4-FFF2-40B4-BE49-F238E27FC236}">
-                <a16:creationId xmlns="" xmlns:a16="http://schemas.microsoft.com/office/drawing/2014/main" id="{15BAE8FF-E85C-4121-91BD-4C40DE073BFF}"/>
+                <a16:creationId xmlns:a16="http://schemas.microsoft.com/office/drawing/2014/main" id="{15BAE8FF-E85C-4121-91BD-4C40DE073BFF}"/>
               </a:ext>
             </a:extLst>
           </p:cNvPr>
@@ -10203,7 +9961,7 @@
           <p:cNvPr id="6" name="Title 1">
             <a:extLst>
               <a:ext uri="{FF2B5EF4-FFF2-40B4-BE49-F238E27FC236}">
-                <a16:creationId xmlns="" xmlns:a16="http://schemas.microsoft.com/office/drawing/2014/main" id="{FDA431AB-C84A-4330-A98A-FB2226525829}"/>
+                <a16:creationId xmlns:a16="http://schemas.microsoft.com/office/drawing/2014/main" id="{FDA431AB-C84A-4330-A98A-FB2226525829}"/>
               </a:ext>
             </a:extLst>
           </p:cNvPr>
@@ -10243,13 +10001,6 @@
   <p:clrMapOvr>
     <a:masterClrMapping/>
   </p:clrMapOvr>
-  <p:timing>
-    <p:tnLst>
-      <p:par>
-        <p:cTn id="1" dur="indefinite" restart="never" nodeType="tmRoot"/>
-      </p:par>
-    </p:tnLst>
-  </p:timing>
 </p:sld>
 </file>
 
@@ -10306,15 +10057,7 @@
             </a:pPr>
             <a:r>
               <a:rPr lang="en-US" sz="2400" dirty="0"/>
-              <a:t>07= 0111 (Dividend</a:t>
-            </a:r>
-            <a:r>
-              <a:rPr lang="en-US" sz="2400" dirty="0" smtClean="0"/>
-              <a:t>)    2 </a:t>
-            </a:r>
-            <a:r>
-              <a:rPr lang="en-US" sz="2400" dirty="0"/>
-              <a:t>= 0010 (Divisor)</a:t>
+              <a:t>07= 0111 (Dividend)    2 = 0010 (Divisor)</a:t>
             </a:r>
           </a:p>
         </p:txBody>
@@ -10600,21 +10343,8 @@
                   <a:prstClr val="black"/>
                 </a:solidFill>
               </a:rPr>
-              <a:t>Move the divisor to the right one </a:t>
-            </a:r>
-            <a:r>
-              <a:rPr lang="en-US" sz="1800" dirty="0" smtClean="0">
-                <a:solidFill>
-                  <a:prstClr val="black"/>
-                </a:solidFill>
-              </a:rPr>
-              <a:t>digit</a:t>
-            </a:r>
-            <a:endParaRPr lang="en-US" sz="1800" dirty="0">
-              <a:solidFill>
-                <a:prstClr val="black"/>
-              </a:solidFill>
-            </a:endParaRPr>
+              <a:t>Move the divisor to the right one digit</a:t>
+            </a:r>
           </a:p>
         </p:txBody>
       </p:sp>
@@ -10810,20 +10540,12 @@
               </a:lnSpc>
             </a:pPr>
             <a:r>
-              <a:rPr lang="en-US" sz="1600" dirty="0" smtClean="0">
-                <a:solidFill>
-                  <a:prstClr val="black"/>
-                </a:solidFill>
-              </a:rPr>
-              <a:t>first </a:t>
-            </a:r>
-            <a:r>
               <a:rPr lang="en-US" sz="1600" dirty="0">
                 <a:solidFill>
                   <a:prstClr val="black"/>
                 </a:solidFill>
               </a:rPr>
-              <a:t>subtract the divisor in step 1; </a:t>
+              <a:t>first subtract the divisor in step 1; </a:t>
             </a:r>
           </a:p>
           <a:p>
@@ -11025,7 +10747,7 @@
           <p:cNvPr id="5" name="Picture 4">
             <a:extLst>
               <a:ext uri="{FF2B5EF4-FFF2-40B4-BE49-F238E27FC236}">
-                <a16:creationId xmlns="" xmlns:a16="http://schemas.microsoft.com/office/drawing/2014/main" id="{5B651C5F-DDCB-4899-9506-0C6689F16A67}"/>
+                <a16:creationId xmlns:a16="http://schemas.microsoft.com/office/drawing/2014/main" id="{5B651C5F-DDCB-4899-9506-0C6689F16A67}"/>
               </a:ext>
             </a:extLst>
           </p:cNvPr>
@@ -11055,7 +10777,7 @@
           <p:cNvPr id="9" name="Picture 8">
             <a:extLst>
               <a:ext uri="{FF2B5EF4-FFF2-40B4-BE49-F238E27FC236}">
-                <a16:creationId xmlns="" xmlns:a16="http://schemas.microsoft.com/office/drawing/2014/main" id="{BDEB60E5-703C-441A-AFFE-01B1EDF35613}"/>
+                <a16:creationId xmlns:a16="http://schemas.microsoft.com/office/drawing/2014/main" id="{BDEB60E5-703C-441A-AFFE-01B1EDF35613}"/>
               </a:ext>
             </a:extLst>
           </p:cNvPr>
@@ -11085,7 +10807,7 @@
           <p:cNvPr id="11" name="Picture 10">
             <a:extLst>
               <a:ext uri="{FF2B5EF4-FFF2-40B4-BE49-F238E27FC236}">
-                <a16:creationId xmlns="" xmlns:a16="http://schemas.microsoft.com/office/drawing/2014/main" id="{ECE45711-F2AE-438F-95BC-6FB33540893E}"/>
+                <a16:creationId xmlns:a16="http://schemas.microsoft.com/office/drawing/2014/main" id="{ECE45711-F2AE-438F-95BC-6FB33540893E}"/>
               </a:ext>
             </a:extLst>
           </p:cNvPr>
@@ -11115,7 +10837,7 @@
           <p:cNvPr id="13" name="Picture 12">
             <a:extLst>
               <a:ext uri="{FF2B5EF4-FFF2-40B4-BE49-F238E27FC236}">
-                <a16:creationId xmlns="" xmlns:a16="http://schemas.microsoft.com/office/drawing/2014/main" id="{1556B5C6-836D-4507-94D3-A99C18FCA107}"/>
+                <a16:creationId xmlns:a16="http://schemas.microsoft.com/office/drawing/2014/main" id="{1556B5C6-836D-4507-94D3-A99C18FCA107}"/>
               </a:ext>
             </a:extLst>
           </p:cNvPr>
@@ -11996,7 +11718,7 @@
           <p:cNvPr id="5" name="Picture 4">
             <a:extLst>
               <a:ext uri="{FF2B5EF4-FFF2-40B4-BE49-F238E27FC236}">
-                <a16:creationId xmlns="" xmlns:a16="http://schemas.microsoft.com/office/drawing/2014/main" id="{FECA6FBB-8EDC-44F1-8E01-EC262F3F2380}"/>
+                <a16:creationId xmlns:a16="http://schemas.microsoft.com/office/drawing/2014/main" id="{FECA6FBB-8EDC-44F1-8E01-EC262F3F2380}"/>
               </a:ext>
             </a:extLst>
           </p:cNvPr>
@@ -12056,7 +11778,7 @@
           <p:cNvPr id="5" name="Picture 4">
             <a:extLst>
               <a:ext uri="{FF2B5EF4-FFF2-40B4-BE49-F238E27FC236}">
-                <a16:creationId xmlns="" xmlns:a16="http://schemas.microsoft.com/office/drawing/2014/main" id="{3EE2A7A0-8EF9-44A8-8590-72AF73551C69}"/>
+                <a16:creationId xmlns:a16="http://schemas.microsoft.com/office/drawing/2014/main" id="{3EE2A7A0-8EF9-44A8-8590-72AF73551C69}"/>
               </a:ext>
             </a:extLst>
           </p:cNvPr>
@@ -12086,7 +11808,7 @@
           <p:cNvPr id="7" name="Picture 6">
             <a:extLst>
               <a:ext uri="{FF2B5EF4-FFF2-40B4-BE49-F238E27FC236}">
-                <a16:creationId xmlns="" xmlns:a16="http://schemas.microsoft.com/office/drawing/2014/main" id="{2D9230E2-4B43-436F-8BD5-2D9DABC603B9}"/>
+                <a16:creationId xmlns:a16="http://schemas.microsoft.com/office/drawing/2014/main" id="{2D9230E2-4B43-436F-8BD5-2D9DABC603B9}"/>
               </a:ext>
             </a:extLst>
           </p:cNvPr>
@@ -12116,7 +11838,7 @@
           <p:cNvPr id="9" name="Picture 8">
             <a:extLst>
               <a:ext uri="{FF2B5EF4-FFF2-40B4-BE49-F238E27FC236}">
-                <a16:creationId xmlns="" xmlns:a16="http://schemas.microsoft.com/office/drawing/2014/main" id="{F11BD043-C5F2-43CB-BD47-E9278D024719}"/>
+                <a16:creationId xmlns:a16="http://schemas.microsoft.com/office/drawing/2014/main" id="{F11BD043-C5F2-43CB-BD47-E9278D024719}"/>
               </a:ext>
             </a:extLst>
           </p:cNvPr>
@@ -12146,7 +11868,7 @@
           <p:cNvPr id="10" name="Content Placeholder 2">
             <a:extLst>
               <a:ext uri="{FF2B5EF4-FFF2-40B4-BE49-F238E27FC236}">
-                <a16:creationId xmlns="" xmlns:a16="http://schemas.microsoft.com/office/drawing/2014/main" id="{41C83B14-C42A-45A1-9D80-9E7E5355E05B}"/>
+                <a16:creationId xmlns:a16="http://schemas.microsoft.com/office/drawing/2014/main" id="{41C83B14-C42A-45A1-9D80-9E7E5355E05B}"/>
               </a:ext>
             </a:extLst>
           </p:cNvPr>
@@ -12467,7 +12189,7 @@
           <p:cNvPr id="6" name="Content Placeholder 5">
             <a:extLst>
               <a:ext uri="{FF2B5EF4-FFF2-40B4-BE49-F238E27FC236}">
-                <a16:creationId xmlns="" xmlns:a16="http://schemas.microsoft.com/office/drawing/2014/main" id="{8A83E55A-C3BC-45A2-B935-D1EF1E45750C}"/>
+                <a16:creationId xmlns:a16="http://schemas.microsoft.com/office/drawing/2014/main" id="{8A83E55A-C3BC-45A2-B935-D1EF1E45750C}"/>
               </a:ext>
             </a:extLst>
           </p:cNvPr>
@@ -12496,7 +12218,7 @@
           <p:cNvPr id="8" name="Picture 7">
             <a:extLst>
               <a:ext uri="{FF2B5EF4-FFF2-40B4-BE49-F238E27FC236}">
-                <a16:creationId xmlns="" xmlns:a16="http://schemas.microsoft.com/office/drawing/2014/main" id="{147C190D-C12C-4DF0-B81C-2BFA3E85E799}"/>
+                <a16:creationId xmlns:a16="http://schemas.microsoft.com/office/drawing/2014/main" id="{147C190D-C12C-4DF0-B81C-2BFA3E85E799}"/>
               </a:ext>
             </a:extLst>
           </p:cNvPr>
@@ -12730,18 +12452,9 @@
           <a:lstStyle/>
           <a:p>
             <a:r>
-              <a:rPr lang="en-US" sz="3200" dirty="0" smtClean="0"/>
-              <a:t>Multiplication </a:t>
-            </a:r>
-            <a:r>
               <a:rPr lang="en-US" sz="3200" dirty="0"/>
-              <a:t>with right shifts is the </a:t>
-            </a:r>
-            <a:r>
-              <a:rPr lang="en-US" sz="3200" dirty="0" smtClean="0"/>
-              <a:t>preferred method… Why?</a:t>
-            </a:r>
-            <a:endParaRPr lang="en-US" sz="3200" dirty="0"/>
+              <a:t>Multiplication with right shifts is the preferred method… Why?</a:t>
+            </a:r>
           </a:p>
         </p:txBody>
       </p:sp>
@@ -12780,7 +12493,7 @@
           <p:cNvPr id="5" name="Content Placeholder 4">
             <a:extLst>
               <a:ext uri="{FF2B5EF4-FFF2-40B4-BE49-F238E27FC236}">
-                <a16:creationId xmlns="" xmlns:a16="http://schemas.microsoft.com/office/drawing/2014/main" id="{FBDA0DEB-7652-4694-BD18-E948E2C31A6E}"/>
+                <a16:creationId xmlns:a16="http://schemas.microsoft.com/office/drawing/2014/main" id="{FBDA0DEB-7652-4694-BD18-E948E2C31A6E}"/>
               </a:ext>
             </a:extLst>
           </p:cNvPr>
@@ -12809,7 +12522,7 @@
           <p:cNvPr id="9" name="Picture 8">
             <a:extLst>
               <a:ext uri="{FF2B5EF4-FFF2-40B4-BE49-F238E27FC236}">
-                <a16:creationId xmlns="" xmlns:a16="http://schemas.microsoft.com/office/drawing/2014/main" id="{D7DBCCEF-3E06-4B99-BA7A-FC4D14BB2D79}"/>
+                <a16:creationId xmlns:a16="http://schemas.microsoft.com/office/drawing/2014/main" id="{D7DBCCEF-3E06-4B99-BA7A-FC4D14BB2D79}"/>
               </a:ext>
             </a:extLst>
           </p:cNvPr>
@@ -12869,7 +12582,7 @@
           <p:cNvPr id="5" name="Content Placeholder 4">
             <a:extLst>
               <a:ext uri="{FF2B5EF4-FFF2-40B4-BE49-F238E27FC236}">
-                <a16:creationId xmlns="" xmlns:a16="http://schemas.microsoft.com/office/drawing/2014/main" id="{23D8272B-2DA0-4C5E-BF44-78013B26522B}"/>
+                <a16:creationId xmlns:a16="http://schemas.microsoft.com/office/drawing/2014/main" id="{23D8272B-2DA0-4C5E-BF44-78013B26522B}"/>
               </a:ext>
             </a:extLst>
           </p:cNvPr>
@@ -13006,7 +12719,7 @@
           <p:cNvPr id="5" name="Picture 4">
             <a:extLst>
               <a:ext uri="{FF2B5EF4-FFF2-40B4-BE49-F238E27FC236}">
-                <a16:creationId xmlns="" xmlns:a16="http://schemas.microsoft.com/office/drawing/2014/main" id="{1D131DF2-B6F4-40EF-970B-8E3F4B37C3D2}"/>
+                <a16:creationId xmlns:a16="http://schemas.microsoft.com/office/drawing/2014/main" id="{1D131DF2-B6F4-40EF-970B-8E3F4B37C3D2}"/>
               </a:ext>
             </a:extLst>
           </p:cNvPr>
@@ -13036,7 +12749,7 @@
           <p:cNvPr id="4" name="Picture 3">
             <a:extLst>
               <a:ext uri="{FF2B5EF4-FFF2-40B4-BE49-F238E27FC236}">
-                <a16:creationId xmlns="" xmlns:a16="http://schemas.microsoft.com/office/drawing/2014/main" id="{5B050BCE-DFB8-4880-95AC-81A999CA59B3}"/>
+                <a16:creationId xmlns:a16="http://schemas.microsoft.com/office/drawing/2014/main" id="{5B050BCE-DFB8-4880-95AC-81A999CA59B3}"/>
               </a:ext>
             </a:extLst>
           </p:cNvPr>
@@ -13096,7 +12809,7 @@
           <p:cNvPr id="2" name="Title 1">
             <a:extLst>
               <a:ext uri="{FF2B5EF4-FFF2-40B4-BE49-F238E27FC236}">
-                <a16:creationId xmlns="" xmlns:a16="http://schemas.microsoft.com/office/drawing/2014/main" id="{D5EE3CDC-D0CE-4ED8-8645-E8A61B2BA100}"/>
+                <a16:creationId xmlns:a16="http://schemas.microsoft.com/office/drawing/2014/main" id="{D5EE3CDC-D0CE-4ED8-8645-E8A61B2BA100}"/>
               </a:ext>
             </a:extLst>
           </p:cNvPr>
@@ -13142,15 +12855,6 @@
               </a:rPr>
               <a:t>Question</a:t>
             </a:r>
-            <a:r>
-              <a:rPr lang="en-US" sz="2400" dirty="0">
-                <a:effectLst/>
-                <a:latin typeface="Times New Roman" panose="02020603050405020304" pitchFamily="18" charset="0"/>
-                <a:ea typeface="Calibri" panose="020F0502020204030204" pitchFamily="34" charset="0"/>
-                <a:cs typeface="Times New Roman" panose="02020603050405020304" pitchFamily="18" charset="0"/>
-              </a:rPr>
-              <a:t/>
-            </a:r>
             <a:br>
               <a:rPr lang="en-US" sz="2400" dirty="0">
                 <a:effectLst/>
@@ -13168,15 +12872,6 @@
               </a:rPr>
               <a:t>Using the hardware given to the right, show the addition of two numbers in steps as it would take place. </a:t>
             </a:r>
-            <a:r>
-              <a:rPr lang="en-US" sz="2400" dirty="0">
-                <a:effectLst/>
-                <a:latin typeface="Calibri" panose="020F0502020204030204" pitchFamily="34" charset="0"/>
-                <a:ea typeface="Calibri" panose="020F0502020204030204" pitchFamily="34" charset="0"/>
-                <a:cs typeface="Times New Roman" panose="02020603050405020304" pitchFamily="18" charset="0"/>
-              </a:rPr>
-              <a:t/>
-            </a:r>
             <a:br>
               <a:rPr lang="en-US" sz="2400" dirty="0">
                 <a:effectLst/>
@@ -13194,15 +12889,6 @@
               </a:rPr>
               <a:t>A = 8.625,         B = - 7.125</a:t>
             </a:r>
-            <a:r>
-              <a:rPr lang="en-US" sz="2400" dirty="0">
-                <a:effectLst/>
-                <a:latin typeface="Calibri" panose="020F0502020204030204" pitchFamily="34" charset="0"/>
-                <a:ea typeface="Calibri" panose="020F0502020204030204" pitchFamily="34" charset="0"/>
-                <a:cs typeface="Times New Roman" panose="02020603050405020304" pitchFamily="18" charset="0"/>
-              </a:rPr>
-              <a:t/>
-            </a:r>
             <a:br>
               <a:rPr lang="en-US" sz="2400" dirty="0">
                 <a:effectLst/>
@@ -13220,15 +12906,6 @@
               </a:rPr>
               <a:t>Show the steps in detail. Also show the contents of different registers (R1, .. R8) and control bits (C1, .. C9). It is noted that Control bits </a:t>
             </a:r>
-            <a:r>
-              <a:rPr lang="en-US" sz="2400" dirty="0">
-                <a:effectLst/>
-                <a:latin typeface="Calibri" panose="020F0502020204030204" pitchFamily="34" charset="0"/>
-                <a:ea typeface="Calibri" panose="020F0502020204030204" pitchFamily="34" charset="0"/>
-                <a:cs typeface="Times New Roman" panose="02020603050405020304" pitchFamily="18" charset="0"/>
-              </a:rPr>
-              <a:t/>
-            </a:r>
             <a:br>
               <a:rPr lang="en-US" sz="2400" dirty="0">
                 <a:effectLst/>
@@ -13246,15 +12923,6 @@
               </a:rPr>
               <a:t>(C1, .. C9) could be either 1 or 0 and you can assign the logic levels for particular operations. </a:t>
             </a:r>
-            <a:r>
-              <a:rPr lang="en-US" sz="2400" dirty="0">
-                <a:effectLst/>
-                <a:latin typeface="Calibri" panose="020F0502020204030204" pitchFamily="34" charset="0"/>
-                <a:ea typeface="Calibri" panose="020F0502020204030204" pitchFamily="34" charset="0"/>
-                <a:cs typeface="Times New Roman" panose="02020603050405020304" pitchFamily="18" charset="0"/>
-              </a:rPr>
-              <a:t/>
-            </a:r>
             <a:br>
               <a:rPr lang="en-US" sz="2400" dirty="0">
                 <a:effectLst/>
@@ -13271,15 +12939,6 @@
                 <a:cs typeface="Times New Roman" panose="02020603050405020304" pitchFamily="18" charset="0"/>
               </a:rPr>
               <a:t>You must present your answer in a Table, given below. (Increase no of columns and rows as required)</a:t>
-            </a:r>
-            <a:r>
-              <a:rPr lang="en-US" sz="2400" dirty="0">
-                <a:effectLst/>
-                <a:latin typeface="Calibri" panose="020F0502020204030204" pitchFamily="34" charset="0"/>
-                <a:ea typeface="Calibri" panose="020F0502020204030204" pitchFamily="34" charset="0"/>
-                <a:cs typeface="Times New Roman" panose="02020603050405020304" pitchFamily="18" charset="0"/>
-              </a:rPr>
-              <a:t/>
             </a:r>
             <a:br>
               <a:rPr lang="en-US" sz="2400" dirty="0">
@@ -13298,7 +12957,7 @@
           <p:cNvPr id="4" name="Rectangle 2">
             <a:extLst>
               <a:ext uri="{FF2B5EF4-FFF2-40B4-BE49-F238E27FC236}">
-                <a16:creationId xmlns="" xmlns:a16="http://schemas.microsoft.com/office/drawing/2014/main" id="{300AF07F-4EB5-477E-8B7D-2A091A708146}"/>
+                <a16:creationId xmlns:a16="http://schemas.microsoft.com/office/drawing/2014/main" id="{300AF07F-4EB5-477E-8B7D-2A091A708146}"/>
               </a:ext>
             </a:extLst>
           </p:cNvPr>
@@ -13371,7 +13030,7 @@
           <p:cNvPr id="5" name="Object 4">
             <a:extLst>
               <a:ext uri="{FF2B5EF4-FFF2-40B4-BE49-F238E27FC236}">
-                <a16:creationId xmlns="" xmlns:a16="http://schemas.microsoft.com/office/drawing/2014/main" id="{A1C66A6F-57B3-4639-9DB3-4D4B88AD89B0}"/>
+                <a16:creationId xmlns:a16="http://schemas.microsoft.com/office/drawing/2014/main" id="{A1C66A6F-57B3-4639-9DB3-4D4B88AD89B0}"/>
               </a:ext>
             </a:extLst>
           </p:cNvPr>
@@ -13388,12 +13047,12 @@
           <a:graphicData uri="http://schemas.openxmlformats.org/presentationml/2006/ole">
             <mc:AlternateContent xmlns:mc="http://schemas.openxmlformats.org/markup-compatibility/2006">
               <mc:Choice xmlns:v="urn:schemas-microsoft-com:vml" Requires="v">
-                <p:oleObj spid="_x0000_s1028" name="Bitmap Image" r:id="rId3" imgW="4753639" imgH="4420217" progId="Paint.Picture">
+                <p:oleObj name="Bitmap Image" r:id="rId2" imgW="4753639" imgH="4420217" progId="Paint.Picture">
                   <p:embed/>
                 </p:oleObj>
               </mc:Choice>
               <mc:Fallback>
-                <p:oleObj name="Bitmap Image" r:id="rId3" imgW="4753639" imgH="4420217" progId="Paint.Picture">
+                <p:oleObj name="Bitmap Image" r:id="rId2" imgW="4753639" imgH="4420217" progId="Paint.Picture">
                   <p:embed/>
                   <p:pic>
                     <p:nvPicPr>
@@ -13404,7 +13063,7 @@
                       <p:nvPr/>
                     </p:nvPicPr>
                     <p:blipFill>
-                      <a:blip r:embed="rId4">
+                      <a:blip r:embed="rId3">
                         <a:extLst>
                           <a:ext uri="{28A0092B-C50C-407E-A947-70E740481C1C}">
                             <a14:useLocalDpi xmlns:a14="http://schemas.microsoft.com/office/drawing/2010/main" val="0"/>
@@ -13468,7 +13127,7 @@
           <p:cNvPr id="5" name="Picture 4">
             <a:extLst>
               <a:ext uri="{FF2B5EF4-FFF2-40B4-BE49-F238E27FC236}">
-                <a16:creationId xmlns="" xmlns:a16="http://schemas.microsoft.com/office/drawing/2014/main" id="{837D7E3D-BCC8-4CF1-8A78-0B53412F777A}"/>
+                <a16:creationId xmlns:a16="http://schemas.microsoft.com/office/drawing/2014/main" id="{837D7E3D-BCC8-4CF1-8A78-0B53412F777A}"/>
               </a:ext>
             </a:extLst>
           </p:cNvPr>
@@ -13498,7 +13157,7 @@
           <p:cNvPr id="7" name="Picture 6">
             <a:extLst>
               <a:ext uri="{FF2B5EF4-FFF2-40B4-BE49-F238E27FC236}">
-                <a16:creationId xmlns="" xmlns:a16="http://schemas.microsoft.com/office/drawing/2014/main" id="{415D2655-9ADE-41CD-89D5-A25DA7AA5AEB}"/>
+                <a16:creationId xmlns:a16="http://schemas.microsoft.com/office/drawing/2014/main" id="{415D2655-9ADE-41CD-89D5-A25DA7AA5AEB}"/>
               </a:ext>
             </a:extLst>
           </p:cNvPr>
@@ -13558,7 +13217,7 @@
           <p:cNvPr id="5" name="Picture 4">
             <a:extLst>
               <a:ext uri="{FF2B5EF4-FFF2-40B4-BE49-F238E27FC236}">
-                <a16:creationId xmlns="" xmlns:a16="http://schemas.microsoft.com/office/drawing/2014/main" id="{9D07E276-5D4D-446B-91C9-3874F56781AE}"/>
+                <a16:creationId xmlns:a16="http://schemas.microsoft.com/office/drawing/2014/main" id="{9D07E276-5D4D-446B-91C9-3874F56781AE}"/>
               </a:ext>
             </a:extLst>
           </p:cNvPr>
@@ -13588,7 +13247,7 @@
           <p:cNvPr id="7" name="Picture 6">
             <a:extLst>
               <a:ext uri="{FF2B5EF4-FFF2-40B4-BE49-F238E27FC236}">
-                <a16:creationId xmlns="" xmlns:a16="http://schemas.microsoft.com/office/drawing/2014/main" id="{21009101-BCB9-4068-8355-94B57A1940B7}"/>
+                <a16:creationId xmlns:a16="http://schemas.microsoft.com/office/drawing/2014/main" id="{21009101-BCB9-4068-8355-94B57A1940B7}"/>
               </a:ext>
             </a:extLst>
           </p:cNvPr>
@@ -13648,7 +13307,7 @@
           <p:cNvPr id="5" name="Picture 4">
             <a:extLst>
               <a:ext uri="{FF2B5EF4-FFF2-40B4-BE49-F238E27FC236}">
-                <a16:creationId xmlns="" xmlns:a16="http://schemas.microsoft.com/office/drawing/2014/main" id="{858CE2E5-EB38-4A6A-9359-DCA5B405A9C2}"/>
+                <a16:creationId xmlns:a16="http://schemas.microsoft.com/office/drawing/2014/main" id="{858CE2E5-EB38-4A6A-9359-DCA5B405A9C2}"/>
               </a:ext>
             </a:extLst>
           </p:cNvPr>
@@ -13678,7 +13337,7 @@
           <p:cNvPr id="7" name="Picture 6">
             <a:extLst>
               <a:ext uri="{FF2B5EF4-FFF2-40B4-BE49-F238E27FC236}">
-                <a16:creationId xmlns="" xmlns:a16="http://schemas.microsoft.com/office/drawing/2014/main" id="{2B0775D4-6C77-45E7-8DA6-AA2C95DA17C8}"/>
+                <a16:creationId xmlns:a16="http://schemas.microsoft.com/office/drawing/2014/main" id="{2B0775D4-6C77-45E7-8DA6-AA2C95DA17C8}"/>
               </a:ext>
             </a:extLst>
           </p:cNvPr>
@@ -13708,7 +13367,7 @@
           <p:cNvPr id="9" name="Picture 8">
             <a:extLst>
               <a:ext uri="{FF2B5EF4-FFF2-40B4-BE49-F238E27FC236}">
-                <a16:creationId xmlns="" xmlns:a16="http://schemas.microsoft.com/office/drawing/2014/main" id="{74E27FA4-602B-4248-B9D9-FB243C8ECE89}"/>
+                <a16:creationId xmlns:a16="http://schemas.microsoft.com/office/drawing/2014/main" id="{74E27FA4-602B-4248-B9D9-FB243C8ECE89}"/>
               </a:ext>
             </a:extLst>
           </p:cNvPr>
@@ -13786,10 +13445,9 @@
           <a:lstStyle/>
           <a:p>
             <a:r>
-              <a:rPr lang="en-US" sz="3600" dirty="0" smtClean="0"/>
+              <a:rPr lang="en-US" sz="3600" dirty="0"/>
               <a:t>Example: FLOATING POINT ADDITION</a:t>
             </a:r>
-            <a:endParaRPr lang="en-US" sz="3600" dirty="0"/>
           </a:p>
         </p:txBody>
       </p:sp>
@@ -14272,7 +13930,7 @@
           <p:cNvPr id="7" name="Picture 6">
             <a:extLst>
               <a:ext uri="{FF2B5EF4-FFF2-40B4-BE49-F238E27FC236}">
-                <a16:creationId xmlns:a16="http://schemas.microsoft.com/office/drawing/2014/main" xmlns="" id="{37698B88-BA73-4120-9C54-0E0B5D2DA23E}"/>
+                <a16:creationId xmlns:a16="http://schemas.microsoft.com/office/drawing/2014/main" id="{37698B88-BA73-4120-9C54-0E0B5D2DA23E}"/>
               </a:ext>
             </a:extLst>
           </p:cNvPr>
@@ -14302,7 +13960,7 @@
           <p:cNvPr id="9" name="Picture 8">
             <a:extLst>
               <a:ext uri="{FF2B5EF4-FFF2-40B4-BE49-F238E27FC236}">
-                <a16:creationId xmlns:a16="http://schemas.microsoft.com/office/drawing/2014/main" xmlns="" id="{65BB33B8-48A8-48B9-B143-E7060DD6CD3A}"/>
+                <a16:creationId xmlns:a16="http://schemas.microsoft.com/office/drawing/2014/main" id="{65BB33B8-48A8-48B9-B143-E7060DD6CD3A}"/>
               </a:ext>
             </a:extLst>
           </p:cNvPr>
@@ -14332,7 +13990,7 @@
           <p:cNvPr id="13" name="Picture 12">
             <a:extLst>
               <a:ext uri="{FF2B5EF4-FFF2-40B4-BE49-F238E27FC236}">
-                <a16:creationId xmlns:a16="http://schemas.microsoft.com/office/drawing/2014/main" xmlns="" id="{1AF9B3DE-8D2D-44ED-8A3A-27E0BFE96636}"/>
+                <a16:creationId xmlns:a16="http://schemas.microsoft.com/office/drawing/2014/main" id="{1AF9B3DE-8D2D-44ED-8A3A-27E0BFE96636}"/>
               </a:ext>
             </a:extLst>
           </p:cNvPr>
@@ -14362,7 +14020,7 @@
           <p:cNvPr id="5" name="Picture 4">
             <a:extLst>
               <a:ext uri="{FF2B5EF4-FFF2-40B4-BE49-F238E27FC236}">
-                <a16:creationId xmlns:a16="http://schemas.microsoft.com/office/drawing/2014/main" xmlns="" id="{ECEA051D-D05F-4018-BCA7-479D52F8070B}"/>
+                <a16:creationId xmlns:a16="http://schemas.microsoft.com/office/drawing/2014/main" id="{ECEA051D-D05F-4018-BCA7-479D52F8070B}"/>
               </a:ext>
             </a:extLst>
           </p:cNvPr>
@@ -14422,7 +14080,7 @@
           <p:cNvPr id="7" name="Picture 6">
             <a:extLst>
               <a:ext uri="{FF2B5EF4-FFF2-40B4-BE49-F238E27FC236}">
-                <a16:creationId xmlns:a16="http://schemas.microsoft.com/office/drawing/2014/main" xmlns="" id="{37698B88-BA73-4120-9C54-0E0B5D2DA23E}"/>
+                <a16:creationId xmlns:a16="http://schemas.microsoft.com/office/drawing/2014/main" id="{37698B88-BA73-4120-9C54-0E0B5D2DA23E}"/>
               </a:ext>
             </a:extLst>
           </p:cNvPr>
@@ -14452,7 +14110,7 @@
           <p:cNvPr id="8" name="Picture 7">
             <a:extLst>
               <a:ext uri="{FF2B5EF4-FFF2-40B4-BE49-F238E27FC236}">
-                <a16:creationId xmlns:a16="http://schemas.microsoft.com/office/drawing/2014/main" xmlns="" id="{ECEA051D-D05F-4018-BCA7-479D52F8070B}"/>
+                <a16:creationId xmlns:a16="http://schemas.microsoft.com/office/drawing/2014/main" id="{ECEA051D-D05F-4018-BCA7-479D52F8070B}"/>
               </a:ext>
             </a:extLst>
           </p:cNvPr>
@@ -14482,7 +14140,7 @@
           <p:cNvPr id="12" name="Picture 11">
             <a:extLst>
               <a:ext uri="{FF2B5EF4-FFF2-40B4-BE49-F238E27FC236}">
-                <a16:creationId xmlns:a16="http://schemas.microsoft.com/office/drawing/2014/main" xmlns="" id="{0836BE16-6AC3-482E-8FFC-DF2096F8ACFC}"/>
+                <a16:creationId xmlns:a16="http://schemas.microsoft.com/office/drawing/2014/main" id="{0836BE16-6AC3-482E-8FFC-DF2096F8ACFC}"/>
               </a:ext>
             </a:extLst>
           </p:cNvPr>
@@ -14499,7 +14157,7 @@
         </p:blipFill>
         <p:spPr>
           <a:xfrm>
-            <a:off x="5085993" y="123896"/>
+            <a:off x="5001327" y="445630"/>
             <a:ext cx="6967486" cy="5701171"/>
           </a:xfrm>
           <a:prstGeom prst="rect">
@@ -14562,13 +14220,8 @@
             </a:pPr>
             <a:r>
               <a:rPr lang="en-US" dirty="0"/>
-              <a:t>MULTIPLICATION OF SIGNED </a:t>
-            </a:r>
-            <a:r>
-              <a:rPr lang="en-US" dirty="0" smtClean="0"/>
-              <a:t>and UNSIGNED NUMBERS</a:t>
-            </a:r>
-            <a:endParaRPr lang="en-US" dirty="0"/>
+              <a:t>MULTIPLICATION OF SIGNED and UNSIGNED NUMBERS</a:t>
+            </a:r>
           </a:p>
         </p:txBody>
       </p:sp>
@@ -14787,11 +14440,7 @@
             </a:pPr>
             <a:r>
               <a:rPr lang="en-US" dirty="0"/>
-              <a:t>Straightforward multiplication will not </a:t>
-            </a:r>
-            <a:r>
-              <a:rPr lang="en-US" dirty="0" smtClean="0"/>
-              <a:t>work</a:t>
+              <a:t>Straightforward multiplication will not work</a:t>
             </a:r>
           </a:p>
           <a:p>
@@ -14800,10 +14449,9 @@
               <a:buNone/>
             </a:pPr>
             <a:r>
-              <a:rPr lang="en-US" dirty="0" smtClean="0"/>
+              <a:rPr lang="en-US" dirty="0"/>
               <a:t>DIFFERENT…..If multiplier is Negative, will method (b) work?</a:t>
             </a:r>
-            <a:endParaRPr lang="en-US" dirty="0"/>
           </a:p>
         </p:txBody>
       </p:sp>
